--- a/ppt 16-9/0985.也许.pptx
+++ b/ppt 16-9/0985.也许.pptx
@@ -5,7 +5,7 @@
     <p:sldMasterId id="2147483648" r:id="rId1"/>
   </p:sldMasterIdLst>
   <p:sldIdLst>
-    <p:sldId id="388" r:id="rId2"/>
+    <p:sldId id="389" r:id="rId2"/>
   </p:sldIdLst>
   <p:sldSz cx="12192000" cy="6858000"/>
   <p:notesSz cx="6858000" cy="9144000"/>
@@ -129,7 +129,7 @@
           <p:cNvPr id="2" name="标题 1">
             <a:extLst>
               <a:ext uri="{FF2B5EF4-FFF2-40B4-BE49-F238E27FC236}">
-                <a16:creationId xmlns:a16="http://schemas.microsoft.com/office/drawing/2014/main" id="{2BDD0CD8-67AE-7A8B-E271-BC24F7F06F1D}"/>
+                <a16:creationId xmlns:a16="http://schemas.microsoft.com/office/drawing/2014/main" id="{E64636E9-E868-C1C7-D1F0-AA9566208D8C}"/>
               </a:ext>
             </a:extLst>
           </p:cNvPr>
@@ -166,7 +166,7 @@
           <p:cNvPr id="3" name="副标题 2">
             <a:extLst>
               <a:ext uri="{FF2B5EF4-FFF2-40B4-BE49-F238E27FC236}">
-                <a16:creationId xmlns:a16="http://schemas.microsoft.com/office/drawing/2014/main" id="{F6E9D9AC-2F59-F84C-9A6A-4B0FB081FE55}"/>
+                <a16:creationId xmlns:a16="http://schemas.microsoft.com/office/drawing/2014/main" id="{4780BF2F-A998-835E-CFF3-CB6A24EE96D6}"/>
               </a:ext>
             </a:extLst>
           </p:cNvPr>
@@ -236,7 +236,7 @@
           <p:cNvPr id="4" name="日期占位符 3">
             <a:extLst>
               <a:ext uri="{FF2B5EF4-FFF2-40B4-BE49-F238E27FC236}">
-                <a16:creationId xmlns:a16="http://schemas.microsoft.com/office/drawing/2014/main" id="{E08ABCBA-2A8F-ED24-6427-74529C2A1F0B}"/>
+                <a16:creationId xmlns:a16="http://schemas.microsoft.com/office/drawing/2014/main" id="{F8803427-15E8-CDD5-A4B7-464E331215B6}"/>
               </a:ext>
             </a:extLst>
           </p:cNvPr>
@@ -252,7 +252,7 @@
           <a:bodyPr/>
           <a:lstStyle/>
           <a:p>
-            <a:fld id="{76862D56-A046-4686-B442-52507E690414}" type="datetimeFigureOut">
+            <a:fld id="{83B5BA3D-4F5D-4560-91C9-112421A6E51A}" type="datetimeFigureOut">
               <a:rPr lang="zh-CN" altLang="en-US" smtClean="0"/>
               <a:t>2024/3/10</a:t>
             </a:fld>
@@ -265,7 +265,7 @@
           <p:cNvPr id="5" name="页脚占位符 4">
             <a:extLst>
               <a:ext uri="{FF2B5EF4-FFF2-40B4-BE49-F238E27FC236}">
-                <a16:creationId xmlns:a16="http://schemas.microsoft.com/office/drawing/2014/main" id="{8B82A8D2-9D30-0741-5181-BE755D42DB04}"/>
+                <a16:creationId xmlns:a16="http://schemas.microsoft.com/office/drawing/2014/main" id="{C1E24463-2345-E604-8FAC-2F7DDEFB2950}"/>
               </a:ext>
             </a:extLst>
           </p:cNvPr>
@@ -290,7 +290,7 @@
           <p:cNvPr id="6" name="灯片编号占位符 5">
             <a:extLst>
               <a:ext uri="{FF2B5EF4-FFF2-40B4-BE49-F238E27FC236}">
-                <a16:creationId xmlns:a16="http://schemas.microsoft.com/office/drawing/2014/main" id="{F00BA69C-C544-CD0C-DD7A-6C4CDF7DBCCC}"/>
+                <a16:creationId xmlns:a16="http://schemas.microsoft.com/office/drawing/2014/main" id="{2CC07599-C633-7946-3D19-15DE7BCD7752}"/>
               </a:ext>
             </a:extLst>
           </p:cNvPr>
@@ -306,7 +306,7 @@
           <a:bodyPr/>
           <a:lstStyle/>
           <a:p>
-            <a:fld id="{CB78A698-7DFA-4EE4-9A11-50FD5EB012BD}" type="slidenum">
+            <a:fld id="{09801EA0-F9A1-4BEE-A787-699DFE9FAD5B}" type="slidenum">
               <a:rPr lang="zh-CN" altLang="en-US" smtClean="0"/>
               <a:t>‹#›</a:t>
             </a:fld>
@@ -317,7 +317,7 @@
     </p:spTree>
     <p:extLst>
       <p:ext uri="{BB962C8B-B14F-4D97-AF65-F5344CB8AC3E}">
-        <p14:creationId xmlns:p14="http://schemas.microsoft.com/office/powerpoint/2010/main" val="1699866417"/>
+        <p14:creationId xmlns:p14="http://schemas.microsoft.com/office/powerpoint/2010/main" val="3592400179"/>
       </p:ext>
     </p:extLst>
   </p:cSld>
@@ -349,7 +349,7 @@
           <p:cNvPr id="2" name="标题 1">
             <a:extLst>
               <a:ext uri="{FF2B5EF4-FFF2-40B4-BE49-F238E27FC236}">
-                <a16:creationId xmlns:a16="http://schemas.microsoft.com/office/drawing/2014/main" id="{4A16FB51-F20F-B4E8-4AAC-13F05FD93857}"/>
+                <a16:creationId xmlns:a16="http://schemas.microsoft.com/office/drawing/2014/main" id="{984006C4-8F0D-2BE2-EA16-0F523366A7C0}"/>
               </a:ext>
             </a:extLst>
           </p:cNvPr>
@@ -377,7 +377,7 @@
           <p:cNvPr id="3" name="竖排文字占位符 2">
             <a:extLst>
               <a:ext uri="{FF2B5EF4-FFF2-40B4-BE49-F238E27FC236}">
-                <a16:creationId xmlns:a16="http://schemas.microsoft.com/office/drawing/2014/main" id="{B473A5C3-5DF5-BFAC-F431-61F00E514C20}"/>
+                <a16:creationId xmlns:a16="http://schemas.microsoft.com/office/drawing/2014/main" id="{F98BA939-82AB-3E77-78BE-10F2B3F9AE4C}"/>
               </a:ext>
             </a:extLst>
           </p:cNvPr>
@@ -434,7 +434,7 @@
           <p:cNvPr id="4" name="日期占位符 3">
             <a:extLst>
               <a:ext uri="{FF2B5EF4-FFF2-40B4-BE49-F238E27FC236}">
-                <a16:creationId xmlns:a16="http://schemas.microsoft.com/office/drawing/2014/main" id="{F5FE3AD2-E44A-5B24-0DFF-AE9F4788FC1A}"/>
+                <a16:creationId xmlns:a16="http://schemas.microsoft.com/office/drawing/2014/main" id="{3E8FA767-0037-AA80-6949-6545BD35802A}"/>
               </a:ext>
             </a:extLst>
           </p:cNvPr>
@@ -450,7 +450,7 @@
           <a:bodyPr/>
           <a:lstStyle/>
           <a:p>
-            <a:fld id="{76862D56-A046-4686-B442-52507E690414}" type="datetimeFigureOut">
+            <a:fld id="{83B5BA3D-4F5D-4560-91C9-112421A6E51A}" type="datetimeFigureOut">
               <a:rPr lang="zh-CN" altLang="en-US" smtClean="0"/>
               <a:t>2024/3/10</a:t>
             </a:fld>
@@ -463,7 +463,7 @@
           <p:cNvPr id="5" name="页脚占位符 4">
             <a:extLst>
               <a:ext uri="{FF2B5EF4-FFF2-40B4-BE49-F238E27FC236}">
-                <a16:creationId xmlns:a16="http://schemas.microsoft.com/office/drawing/2014/main" id="{AC8AB8B7-E9CF-8846-D261-1A5C658FE487}"/>
+                <a16:creationId xmlns:a16="http://schemas.microsoft.com/office/drawing/2014/main" id="{3C428F0F-F6C9-24C3-E6F2-52EBD7AE55A0}"/>
               </a:ext>
             </a:extLst>
           </p:cNvPr>
@@ -488,7 +488,7 @@
           <p:cNvPr id="6" name="灯片编号占位符 5">
             <a:extLst>
               <a:ext uri="{FF2B5EF4-FFF2-40B4-BE49-F238E27FC236}">
-                <a16:creationId xmlns:a16="http://schemas.microsoft.com/office/drawing/2014/main" id="{1309FD63-C0B1-F495-A566-C806875BC460}"/>
+                <a16:creationId xmlns:a16="http://schemas.microsoft.com/office/drawing/2014/main" id="{A87E5554-FF84-5B96-597E-624BB6EFC0A1}"/>
               </a:ext>
             </a:extLst>
           </p:cNvPr>
@@ -504,7 +504,7 @@
           <a:bodyPr/>
           <a:lstStyle/>
           <a:p>
-            <a:fld id="{CB78A698-7DFA-4EE4-9A11-50FD5EB012BD}" type="slidenum">
+            <a:fld id="{09801EA0-F9A1-4BEE-A787-699DFE9FAD5B}" type="slidenum">
               <a:rPr lang="zh-CN" altLang="en-US" smtClean="0"/>
               <a:t>‹#›</a:t>
             </a:fld>
@@ -515,7 +515,7 @@
     </p:spTree>
     <p:extLst>
       <p:ext uri="{BB962C8B-B14F-4D97-AF65-F5344CB8AC3E}">
-        <p14:creationId xmlns:p14="http://schemas.microsoft.com/office/powerpoint/2010/main" val="3022547242"/>
+        <p14:creationId xmlns:p14="http://schemas.microsoft.com/office/powerpoint/2010/main" val="4194331439"/>
       </p:ext>
     </p:extLst>
   </p:cSld>
@@ -547,7 +547,7 @@
           <p:cNvPr id="2" name="竖排标题 1">
             <a:extLst>
               <a:ext uri="{FF2B5EF4-FFF2-40B4-BE49-F238E27FC236}">
-                <a16:creationId xmlns:a16="http://schemas.microsoft.com/office/drawing/2014/main" id="{C7B25D17-065B-173C-0BCD-A176A4E3B490}"/>
+                <a16:creationId xmlns:a16="http://schemas.microsoft.com/office/drawing/2014/main" id="{109BB1D8-21F2-B95D-88CE-D6A54B36D204}"/>
               </a:ext>
             </a:extLst>
           </p:cNvPr>
@@ -580,7 +580,7 @@
           <p:cNvPr id="3" name="竖排文字占位符 2">
             <a:extLst>
               <a:ext uri="{FF2B5EF4-FFF2-40B4-BE49-F238E27FC236}">
-                <a16:creationId xmlns:a16="http://schemas.microsoft.com/office/drawing/2014/main" id="{3C10A034-F656-BA31-62D9-8D8C893A23A9}"/>
+                <a16:creationId xmlns:a16="http://schemas.microsoft.com/office/drawing/2014/main" id="{6BBAA8E5-5B43-0C74-C599-46485ACFC44E}"/>
               </a:ext>
             </a:extLst>
           </p:cNvPr>
@@ -642,7 +642,7 @@
           <p:cNvPr id="4" name="日期占位符 3">
             <a:extLst>
               <a:ext uri="{FF2B5EF4-FFF2-40B4-BE49-F238E27FC236}">
-                <a16:creationId xmlns:a16="http://schemas.microsoft.com/office/drawing/2014/main" id="{409E52C1-18BF-59AD-2D1F-FB77DDAE3254}"/>
+                <a16:creationId xmlns:a16="http://schemas.microsoft.com/office/drawing/2014/main" id="{C15A3392-2A20-B0BF-0FA1-DC2073BDDB7D}"/>
               </a:ext>
             </a:extLst>
           </p:cNvPr>
@@ -658,7 +658,7 @@
           <a:bodyPr/>
           <a:lstStyle/>
           <a:p>
-            <a:fld id="{76862D56-A046-4686-B442-52507E690414}" type="datetimeFigureOut">
+            <a:fld id="{83B5BA3D-4F5D-4560-91C9-112421A6E51A}" type="datetimeFigureOut">
               <a:rPr lang="zh-CN" altLang="en-US" smtClean="0"/>
               <a:t>2024/3/10</a:t>
             </a:fld>
@@ -671,7 +671,7 @@
           <p:cNvPr id="5" name="页脚占位符 4">
             <a:extLst>
               <a:ext uri="{FF2B5EF4-FFF2-40B4-BE49-F238E27FC236}">
-                <a16:creationId xmlns:a16="http://schemas.microsoft.com/office/drawing/2014/main" id="{5712FAEB-6024-EC53-A036-3EA9B64709C0}"/>
+                <a16:creationId xmlns:a16="http://schemas.microsoft.com/office/drawing/2014/main" id="{733AC777-B1A0-43CE-A681-20A889AE526C}"/>
               </a:ext>
             </a:extLst>
           </p:cNvPr>
@@ -696,7 +696,7 @@
           <p:cNvPr id="6" name="灯片编号占位符 5">
             <a:extLst>
               <a:ext uri="{FF2B5EF4-FFF2-40B4-BE49-F238E27FC236}">
-                <a16:creationId xmlns:a16="http://schemas.microsoft.com/office/drawing/2014/main" id="{44D056AB-22CB-462A-1645-B3E03B0E0A5D}"/>
+                <a16:creationId xmlns:a16="http://schemas.microsoft.com/office/drawing/2014/main" id="{125FE1A3-5CC3-634A-7E84-163F034AC1CC}"/>
               </a:ext>
             </a:extLst>
           </p:cNvPr>
@@ -712,7 +712,7 @@
           <a:bodyPr/>
           <a:lstStyle/>
           <a:p>
-            <a:fld id="{CB78A698-7DFA-4EE4-9A11-50FD5EB012BD}" type="slidenum">
+            <a:fld id="{09801EA0-F9A1-4BEE-A787-699DFE9FAD5B}" type="slidenum">
               <a:rPr lang="zh-CN" altLang="en-US" smtClean="0"/>
               <a:t>‹#›</a:t>
             </a:fld>
@@ -723,7 +723,7 @@
     </p:spTree>
     <p:extLst>
       <p:ext uri="{BB962C8B-B14F-4D97-AF65-F5344CB8AC3E}">
-        <p14:creationId xmlns:p14="http://schemas.microsoft.com/office/powerpoint/2010/main" val="3340640695"/>
+        <p14:creationId xmlns:p14="http://schemas.microsoft.com/office/powerpoint/2010/main" val="1746782630"/>
       </p:ext>
     </p:extLst>
   </p:cSld>
@@ -755,7 +755,7 @@
           <p:cNvPr id="2" name="标题 1">
             <a:extLst>
               <a:ext uri="{FF2B5EF4-FFF2-40B4-BE49-F238E27FC236}">
-                <a16:creationId xmlns:a16="http://schemas.microsoft.com/office/drawing/2014/main" id="{512089F9-55CC-495F-2DFD-FF3F29CFB1BD}"/>
+                <a16:creationId xmlns:a16="http://schemas.microsoft.com/office/drawing/2014/main" id="{DD547234-8C87-5262-CEB2-692F63B5D6C2}"/>
               </a:ext>
             </a:extLst>
           </p:cNvPr>
@@ -783,7 +783,7 @@
           <p:cNvPr id="3" name="内容占位符 2">
             <a:extLst>
               <a:ext uri="{FF2B5EF4-FFF2-40B4-BE49-F238E27FC236}">
-                <a16:creationId xmlns:a16="http://schemas.microsoft.com/office/drawing/2014/main" id="{8809FD01-0D9B-3840-2660-BCF0EAE001D4}"/>
+                <a16:creationId xmlns:a16="http://schemas.microsoft.com/office/drawing/2014/main" id="{15D1457E-647B-2274-56FF-BE12B2E3A758}"/>
               </a:ext>
             </a:extLst>
           </p:cNvPr>
@@ -840,7 +840,7 @@
           <p:cNvPr id="4" name="日期占位符 3">
             <a:extLst>
               <a:ext uri="{FF2B5EF4-FFF2-40B4-BE49-F238E27FC236}">
-                <a16:creationId xmlns:a16="http://schemas.microsoft.com/office/drawing/2014/main" id="{387A9A53-A849-646F-0BDA-1E00C567D17B}"/>
+                <a16:creationId xmlns:a16="http://schemas.microsoft.com/office/drawing/2014/main" id="{D0CABEE9-237A-F1C5-2170-C3A28F814716}"/>
               </a:ext>
             </a:extLst>
           </p:cNvPr>
@@ -856,7 +856,7 @@
           <a:bodyPr/>
           <a:lstStyle/>
           <a:p>
-            <a:fld id="{76862D56-A046-4686-B442-52507E690414}" type="datetimeFigureOut">
+            <a:fld id="{83B5BA3D-4F5D-4560-91C9-112421A6E51A}" type="datetimeFigureOut">
               <a:rPr lang="zh-CN" altLang="en-US" smtClean="0"/>
               <a:t>2024/3/10</a:t>
             </a:fld>
@@ -869,7 +869,7 @@
           <p:cNvPr id="5" name="页脚占位符 4">
             <a:extLst>
               <a:ext uri="{FF2B5EF4-FFF2-40B4-BE49-F238E27FC236}">
-                <a16:creationId xmlns:a16="http://schemas.microsoft.com/office/drawing/2014/main" id="{CC969C9A-3E76-E1B3-2F9E-87E109C157CC}"/>
+                <a16:creationId xmlns:a16="http://schemas.microsoft.com/office/drawing/2014/main" id="{5A019EBC-37A7-069F-A91C-0F0CFB2CB907}"/>
               </a:ext>
             </a:extLst>
           </p:cNvPr>
@@ -894,7 +894,7 @@
           <p:cNvPr id="6" name="灯片编号占位符 5">
             <a:extLst>
               <a:ext uri="{FF2B5EF4-FFF2-40B4-BE49-F238E27FC236}">
-                <a16:creationId xmlns:a16="http://schemas.microsoft.com/office/drawing/2014/main" id="{7FD9C84F-848D-AB59-442A-035C61BF4158}"/>
+                <a16:creationId xmlns:a16="http://schemas.microsoft.com/office/drawing/2014/main" id="{DF20D526-4B4A-4068-AEB0-515DEBC2EE74}"/>
               </a:ext>
             </a:extLst>
           </p:cNvPr>
@@ -910,7 +910,7 @@
           <a:bodyPr/>
           <a:lstStyle/>
           <a:p>
-            <a:fld id="{CB78A698-7DFA-4EE4-9A11-50FD5EB012BD}" type="slidenum">
+            <a:fld id="{09801EA0-F9A1-4BEE-A787-699DFE9FAD5B}" type="slidenum">
               <a:rPr lang="zh-CN" altLang="en-US" smtClean="0"/>
               <a:t>‹#›</a:t>
             </a:fld>
@@ -921,7 +921,7 @@
     </p:spTree>
     <p:extLst>
       <p:ext uri="{BB962C8B-B14F-4D97-AF65-F5344CB8AC3E}">
-        <p14:creationId xmlns:p14="http://schemas.microsoft.com/office/powerpoint/2010/main" val="900358130"/>
+        <p14:creationId xmlns:p14="http://schemas.microsoft.com/office/powerpoint/2010/main" val="3449847906"/>
       </p:ext>
     </p:extLst>
   </p:cSld>
@@ -953,7 +953,7 @@
           <p:cNvPr id="2" name="标题 1">
             <a:extLst>
               <a:ext uri="{FF2B5EF4-FFF2-40B4-BE49-F238E27FC236}">
-                <a16:creationId xmlns:a16="http://schemas.microsoft.com/office/drawing/2014/main" id="{9007663A-8F86-FC9B-C8FF-E87256BF1042}"/>
+                <a16:creationId xmlns:a16="http://schemas.microsoft.com/office/drawing/2014/main" id="{2550CA06-0E80-C8A7-81C0-D2F09B688F78}"/>
               </a:ext>
             </a:extLst>
           </p:cNvPr>
@@ -990,7 +990,7 @@
           <p:cNvPr id="3" name="文本占位符 2">
             <a:extLst>
               <a:ext uri="{FF2B5EF4-FFF2-40B4-BE49-F238E27FC236}">
-                <a16:creationId xmlns:a16="http://schemas.microsoft.com/office/drawing/2014/main" id="{E0E6D586-D7D0-6C8D-FFEE-3BE0187ADBAC}"/>
+                <a16:creationId xmlns:a16="http://schemas.microsoft.com/office/drawing/2014/main" id="{1051266D-C5A3-C964-05FA-40A430D902B8}"/>
               </a:ext>
             </a:extLst>
           </p:cNvPr>
@@ -1115,7 +1115,7 @@
           <p:cNvPr id="4" name="日期占位符 3">
             <a:extLst>
               <a:ext uri="{FF2B5EF4-FFF2-40B4-BE49-F238E27FC236}">
-                <a16:creationId xmlns:a16="http://schemas.microsoft.com/office/drawing/2014/main" id="{D973A470-FF1A-27E7-96FB-8D6A509F4CC8}"/>
+                <a16:creationId xmlns:a16="http://schemas.microsoft.com/office/drawing/2014/main" id="{39FA8245-E4A1-0A6B-7A98-87C56DCCC643}"/>
               </a:ext>
             </a:extLst>
           </p:cNvPr>
@@ -1131,7 +1131,7 @@
           <a:bodyPr/>
           <a:lstStyle/>
           <a:p>
-            <a:fld id="{76862D56-A046-4686-B442-52507E690414}" type="datetimeFigureOut">
+            <a:fld id="{83B5BA3D-4F5D-4560-91C9-112421A6E51A}" type="datetimeFigureOut">
               <a:rPr lang="zh-CN" altLang="en-US" smtClean="0"/>
               <a:t>2024/3/10</a:t>
             </a:fld>
@@ -1144,7 +1144,7 @@
           <p:cNvPr id="5" name="页脚占位符 4">
             <a:extLst>
               <a:ext uri="{FF2B5EF4-FFF2-40B4-BE49-F238E27FC236}">
-                <a16:creationId xmlns:a16="http://schemas.microsoft.com/office/drawing/2014/main" id="{AF59EFEA-7816-3CAA-7151-CD738C1F1EC2}"/>
+                <a16:creationId xmlns:a16="http://schemas.microsoft.com/office/drawing/2014/main" id="{C7F23F84-1C52-08A1-B7D7-10002F25DC40}"/>
               </a:ext>
             </a:extLst>
           </p:cNvPr>
@@ -1169,7 +1169,7 @@
           <p:cNvPr id="6" name="灯片编号占位符 5">
             <a:extLst>
               <a:ext uri="{FF2B5EF4-FFF2-40B4-BE49-F238E27FC236}">
-                <a16:creationId xmlns:a16="http://schemas.microsoft.com/office/drawing/2014/main" id="{DC7F4F72-7A6A-4C25-C2F4-663C9B6676BA}"/>
+                <a16:creationId xmlns:a16="http://schemas.microsoft.com/office/drawing/2014/main" id="{6D48A64B-C4A0-9694-C184-A96E4BAAB601}"/>
               </a:ext>
             </a:extLst>
           </p:cNvPr>
@@ -1185,7 +1185,7 @@
           <a:bodyPr/>
           <a:lstStyle/>
           <a:p>
-            <a:fld id="{CB78A698-7DFA-4EE4-9A11-50FD5EB012BD}" type="slidenum">
+            <a:fld id="{09801EA0-F9A1-4BEE-A787-699DFE9FAD5B}" type="slidenum">
               <a:rPr lang="zh-CN" altLang="en-US" smtClean="0"/>
               <a:t>‹#›</a:t>
             </a:fld>
@@ -1196,7 +1196,7 @@
     </p:spTree>
     <p:extLst>
       <p:ext uri="{BB962C8B-B14F-4D97-AF65-F5344CB8AC3E}">
-        <p14:creationId xmlns:p14="http://schemas.microsoft.com/office/powerpoint/2010/main" val="3512327568"/>
+        <p14:creationId xmlns:p14="http://schemas.microsoft.com/office/powerpoint/2010/main" val="1022447692"/>
       </p:ext>
     </p:extLst>
   </p:cSld>
@@ -1228,7 +1228,7 @@
           <p:cNvPr id="2" name="标题 1">
             <a:extLst>
               <a:ext uri="{FF2B5EF4-FFF2-40B4-BE49-F238E27FC236}">
-                <a16:creationId xmlns:a16="http://schemas.microsoft.com/office/drawing/2014/main" id="{C00D2FBB-3507-942B-1C7B-E1ADAD0FC797}"/>
+                <a16:creationId xmlns:a16="http://schemas.microsoft.com/office/drawing/2014/main" id="{67E8BCC6-BC33-418E-002A-F93C125DEC88}"/>
               </a:ext>
             </a:extLst>
           </p:cNvPr>
@@ -1256,7 +1256,7 @@
           <p:cNvPr id="3" name="内容占位符 2">
             <a:extLst>
               <a:ext uri="{FF2B5EF4-FFF2-40B4-BE49-F238E27FC236}">
-                <a16:creationId xmlns:a16="http://schemas.microsoft.com/office/drawing/2014/main" id="{E61E610F-D85E-4995-8537-F9BC7E1DA890}"/>
+                <a16:creationId xmlns:a16="http://schemas.microsoft.com/office/drawing/2014/main" id="{3BBC0E1F-FAF9-702C-C134-3D46001AE334}"/>
               </a:ext>
             </a:extLst>
           </p:cNvPr>
@@ -1318,7 +1318,7 @@
           <p:cNvPr id="4" name="内容占位符 3">
             <a:extLst>
               <a:ext uri="{FF2B5EF4-FFF2-40B4-BE49-F238E27FC236}">
-                <a16:creationId xmlns:a16="http://schemas.microsoft.com/office/drawing/2014/main" id="{1A072902-C6B2-6740-ED8D-CAB1262598DD}"/>
+                <a16:creationId xmlns:a16="http://schemas.microsoft.com/office/drawing/2014/main" id="{2948192B-A99B-F797-DB11-96093524AE2D}"/>
               </a:ext>
             </a:extLst>
           </p:cNvPr>
@@ -1380,7 +1380,7 @@
           <p:cNvPr id="5" name="日期占位符 4">
             <a:extLst>
               <a:ext uri="{FF2B5EF4-FFF2-40B4-BE49-F238E27FC236}">
-                <a16:creationId xmlns:a16="http://schemas.microsoft.com/office/drawing/2014/main" id="{5D1AE725-A177-6E2E-C913-12F59847946C}"/>
+                <a16:creationId xmlns:a16="http://schemas.microsoft.com/office/drawing/2014/main" id="{A229E838-81E8-486D-8CBC-0C3A9B2150A8}"/>
               </a:ext>
             </a:extLst>
           </p:cNvPr>
@@ -1396,7 +1396,7 @@
           <a:bodyPr/>
           <a:lstStyle/>
           <a:p>
-            <a:fld id="{76862D56-A046-4686-B442-52507E690414}" type="datetimeFigureOut">
+            <a:fld id="{83B5BA3D-4F5D-4560-91C9-112421A6E51A}" type="datetimeFigureOut">
               <a:rPr lang="zh-CN" altLang="en-US" smtClean="0"/>
               <a:t>2024/3/10</a:t>
             </a:fld>
@@ -1409,7 +1409,7 @@
           <p:cNvPr id="6" name="页脚占位符 5">
             <a:extLst>
               <a:ext uri="{FF2B5EF4-FFF2-40B4-BE49-F238E27FC236}">
-                <a16:creationId xmlns:a16="http://schemas.microsoft.com/office/drawing/2014/main" id="{A1C4C712-0CED-67B8-1790-3FF9F4745296}"/>
+                <a16:creationId xmlns:a16="http://schemas.microsoft.com/office/drawing/2014/main" id="{DFA59C52-3999-D888-13F1-BC8269ABF0AF}"/>
               </a:ext>
             </a:extLst>
           </p:cNvPr>
@@ -1434,7 +1434,7 @@
           <p:cNvPr id="7" name="灯片编号占位符 6">
             <a:extLst>
               <a:ext uri="{FF2B5EF4-FFF2-40B4-BE49-F238E27FC236}">
-                <a16:creationId xmlns:a16="http://schemas.microsoft.com/office/drawing/2014/main" id="{37C3849D-C6F4-89F7-0D7B-D3D067F56C41}"/>
+                <a16:creationId xmlns:a16="http://schemas.microsoft.com/office/drawing/2014/main" id="{BD2309EE-4795-0D0C-4E7F-183A88928B52}"/>
               </a:ext>
             </a:extLst>
           </p:cNvPr>
@@ -1450,7 +1450,7 @@
           <a:bodyPr/>
           <a:lstStyle/>
           <a:p>
-            <a:fld id="{CB78A698-7DFA-4EE4-9A11-50FD5EB012BD}" type="slidenum">
+            <a:fld id="{09801EA0-F9A1-4BEE-A787-699DFE9FAD5B}" type="slidenum">
               <a:rPr lang="zh-CN" altLang="en-US" smtClean="0"/>
               <a:t>‹#›</a:t>
             </a:fld>
@@ -1461,7 +1461,7 @@
     </p:spTree>
     <p:extLst>
       <p:ext uri="{BB962C8B-B14F-4D97-AF65-F5344CB8AC3E}">
-        <p14:creationId xmlns:p14="http://schemas.microsoft.com/office/powerpoint/2010/main" val="2319685967"/>
+        <p14:creationId xmlns:p14="http://schemas.microsoft.com/office/powerpoint/2010/main" val="1622430222"/>
       </p:ext>
     </p:extLst>
   </p:cSld>
@@ -1493,7 +1493,7 @@
           <p:cNvPr id="2" name="标题 1">
             <a:extLst>
               <a:ext uri="{FF2B5EF4-FFF2-40B4-BE49-F238E27FC236}">
-                <a16:creationId xmlns:a16="http://schemas.microsoft.com/office/drawing/2014/main" id="{4E0EBA61-4A3E-7B92-AB49-75666E7C1248}"/>
+                <a16:creationId xmlns:a16="http://schemas.microsoft.com/office/drawing/2014/main" id="{FB0948BC-7BEA-77C9-2DE5-D7375FD2FB6C}"/>
               </a:ext>
             </a:extLst>
           </p:cNvPr>
@@ -1526,7 +1526,7 @@
           <p:cNvPr id="3" name="文本占位符 2">
             <a:extLst>
               <a:ext uri="{FF2B5EF4-FFF2-40B4-BE49-F238E27FC236}">
-                <a16:creationId xmlns:a16="http://schemas.microsoft.com/office/drawing/2014/main" id="{FC5A2F44-3E89-7464-260B-87823B22D35E}"/>
+                <a16:creationId xmlns:a16="http://schemas.microsoft.com/office/drawing/2014/main" id="{E344F238-A4C5-B88B-D966-E62877487A9E}"/>
               </a:ext>
             </a:extLst>
           </p:cNvPr>
@@ -1597,7 +1597,7 @@
           <p:cNvPr id="4" name="内容占位符 3">
             <a:extLst>
               <a:ext uri="{FF2B5EF4-FFF2-40B4-BE49-F238E27FC236}">
-                <a16:creationId xmlns:a16="http://schemas.microsoft.com/office/drawing/2014/main" id="{DB2D082E-1E4E-1599-1725-D5B5D089FE5F}"/>
+                <a16:creationId xmlns:a16="http://schemas.microsoft.com/office/drawing/2014/main" id="{2D460BBA-4941-B1D3-8B85-7456F3402EBB}"/>
               </a:ext>
             </a:extLst>
           </p:cNvPr>
@@ -1659,7 +1659,7 @@
           <p:cNvPr id="5" name="文本占位符 4">
             <a:extLst>
               <a:ext uri="{FF2B5EF4-FFF2-40B4-BE49-F238E27FC236}">
-                <a16:creationId xmlns:a16="http://schemas.microsoft.com/office/drawing/2014/main" id="{8193AEA0-3E79-F1FD-364E-2349E5705B73}"/>
+                <a16:creationId xmlns:a16="http://schemas.microsoft.com/office/drawing/2014/main" id="{E3784890-71B7-AA94-763D-DF9EC023F3B8}"/>
               </a:ext>
             </a:extLst>
           </p:cNvPr>
@@ -1730,7 +1730,7 @@
           <p:cNvPr id="6" name="内容占位符 5">
             <a:extLst>
               <a:ext uri="{FF2B5EF4-FFF2-40B4-BE49-F238E27FC236}">
-                <a16:creationId xmlns:a16="http://schemas.microsoft.com/office/drawing/2014/main" id="{12F1C465-FCA3-B8E0-23E1-22E548D5B4A6}"/>
+                <a16:creationId xmlns:a16="http://schemas.microsoft.com/office/drawing/2014/main" id="{3988AB3B-A4FD-46BB-FCE5-856D697E3B74}"/>
               </a:ext>
             </a:extLst>
           </p:cNvPr>
@@ -1792,7 +1792,7 @@
           <p:cNvPr id="7" name="日期占位符 6">
             <a:extLst>
               <a:ext uri="{FF2B5EF4-FFF2-40B4-BE49-F238E27FC236}">
-                <a16:creationId xmlns:a16="http://schemas.microsoft.com/office/drawing/2014/main" id="{33CE7AAB-C1D9-E5F7-1A58-5D693F2B6D4B}"/>
+                <a16:creationId xmlns:a16="http://schemas.microsoft.com/office/drawing/2014/main" id="{D708AFF4-A16C-1186-A8BF-4BB01B2E29E4}"/>
               </a:ext>
             </a:extLst>
           </p:cNvPr>
@@ -1808,7 +1808,7 @@
           <a:bodyPr/>
           <a:lstStyle/>
           <a:p>
-            <a:fld id="{76862D56-A046-4686-B442-52507E690414}" type="datetimeFigureOut">
+            <a:fld id="{83B5BA3D-4F5D-4560-91C9-112421A6E51A}" type="datetimeFigureOut">
               <a:rPr lang="zh-CN" altLang="en-US" smtClean="0"/>
               <a:t>2024/3/10</a:t>
             </a:fld>
@@ -1821,7 +1821,7 @@
           <p:cNvPr id="8" name="页脚占位符 7">
             <a:extLst>
               <a:ext uri="{FF2B5EF4-FFF2-40B4-BE49-F238E27FC236}">
-                <a16:creationId xmlns:a16="http://schemas.microsoft.com/office/drawing/2014/main" id="{7C6B2A01-38A8-3622-501B-F940C534B4E9}"/>
+                <a16:creationId xmlns:a16="http://schemas.microsoft.com/office/drawing/2014/main" id="{3EE3353E-485C-FE75-585B-1FF3C47553C4}"/>
               </a:ext>
             </a:extLst>
           </p:cNvPr>
@@ -1846,7 +1846,7 @@
           <p:cNvPr id="9" name="灯片编号占位符 8">
             <a:extLst>
               <a:ext uri="{FF2B5EF4-FFF2-40B4-BE49-F238E27FC236}">
-                <a16:creationId xmlns:a16="http://schemas.microsoft.com/office/drawing/2014/main" id="{1BFEF3A4-5E64-061F-BBE0-CE1F1F875175}"/>
+                <a16:creationId xmlns:a16="http://schemas.microsoft.com/office/drawing/2014/main" id="{23BCF4ED-B2D7-3650-667A-9B41FCB88A24}"/>
               </a:ext>
             </a:extLst>
           </p:cNvPr>
@@ -1862,7 +1862,7 @@
           <a:bodyPr/>
           <a:lstStyle/>
           <a:p>
-            <a:fld id="{CB78A698-7DFA-4EE4-9A11-50FD5EB012BD}" type="slidenum">
+            <a:fld id="{09801EA0-F9A1-4BEE-A787-699DFE9FAD5B}" type="slidenum">
               <a:rPr lang="zh-CN" altLang="en-US" smtClean="0"/>
               <a:t>‹#›</a:t>
             </a:fld>
@@ -1873,7 +1873,7 @@
     </p:spTree>
     <p:extLst>
       <p:ext uri="{BB962C8B-B14F-4D97-AF65-F5344CB8AC3E}">
-        <p14:creationId xmlns:p14="http://schemas.microsoft.com/office/powerpoint/2010/main" val="816080803"/>
+        <p14:creationId xmlns:p14="http://schemas.microsoft.com/office/powerpoint/2010/main" val="800908980"/>
       </p:ext>
     </p:extLst>
   </p:cSld>
@@ -1905,7 +1905,7 @@
           <p:cNvPr id="2" name="标题 1">
             <a:extLst>
               <a:ext uri="{FF2B5EF4-FFF2-40B4-BE49-F238E27FC236}">
-                <a16:creationId xmlns:a16="http://schemas.microsoft.com/office/drawing/2014/main" id="{8A280D5F-0E31-AA49-65A3-5C871EB8CA62}"/>
+                <a16:creationId xmlns:a16="http://schemas.microsoft.com/office/drawing/2014/main" id="{21C4EF49-19A9-9E2C-D8D2-820641F691EE}"/>
               </a:ext>
             </a:extLst>
           </p:cNvPr>
@@ -1933,7 +1933,7 @@
           <p:cNvPr id="3" name="日期占位符 2">
             <a:extLst>
               <a:ext uri="{FF2B5EF4-FFF2-40B4-BE49-F238E27FC236}">
-                <a16:creationId xmlns:a16="http://schemas.microsoft.com/office/drawing/2014/main" id="{D8FA5864-44E2-1B8C-EDF7-8B530C4BC184}"/>
+                <a16:creationId xmlns:a16="http://schemas.microsoft.com/office/drawing/2014/main" id="{54C49D6D-7A87-CE98-CE64-2190A32F0E49}"/>
               </a:ext>
             </a:extLst>
           </p:cNvPr>
@@ -1949,7 +1949,7 @@
           <a:bodyPr/>
           <a:lstStyle/>
           <a:p>
-            <a:fld id="{76862D56-A046-4686-B442-52507E690414}" type="datetimeFigureOut">
+            <a:fld id="{83B5BA3D-4F5D-4560-91C9-112421A6E51A}" type="datetimeFigureOut">
               <a:rPr lang="zh-CN" altLang="en-US" smtClean="0"/>
               <a:t>2024/3/10</a:t>
             </a:fld>
@@ -1962,7 +1962,7 @@
           <p:cNvPr id="4" name="页脚占位符 3">
             <a:extLst>
               <a:ext uri="{FF2B5EF4-FFF2-40B4-BE49-F238E27FC236}">
-                <a16:creationId xmlns:a16="http://schemas.microsoft.com/office/drawing/2014/main" id="{B3BE5C09-E335-2C68-BCA0-D75D69533E2D}"/>
+                <a16:creationId xmlns:a16="http://schemas.microsoft.com/office/drawing/2014/main" id="{9E625034-6509-FC77-F8CF-4A77864DF44E}"/>
               </a:ext>
             </a:extLst>
           </p:cNvPr>
@@ -1987,7 +1987,7 @@
           <p:cNvPr id="5" name="灯片编号占位符 4">
             <a:extLst>
               <a:ext uri="{FF2B5EF4-FFF2-40B4-BE49-F238E27FC236}">
-                <a16:creationId xmlns:a16="http://schemas.microsoft.com/office/drawing/2014/main" id="{139736B1-EBC2-F387-5C8D-DD6FACFE3152}"/>
+                <a16:creationId xmlns:a16="http://schemas.microsoft.com/office/drawing/2014/main" id="{AEA0A581-AA7F-3648-137B-F6B165C1A085}"/>
               </a:ext>
             </a:extLst>
           </p:cNvPr>
@@ -2003,7 +2003,7 @@
           <a:bodyPr/>
           <a:lstStyle/>
           <a:p>
-            <a:fld id="{CB78A698-7DFA-4EE4-9A11-50FD5EB012BD}" type="slidenum">
+            <a:fld id="{09801EA0-F9A1-4BEE-A787-699DFE9FAD5B}" type="slidenum">
               <a:rPr lang="zh-CN" altLang="en-US" smtClean="0"/>
               <a:t>‹#›</a:t>
             </a:fld>
@@ -2014,7 +2014,7 @@
     </p:spTree>
     <p:extLst>
       <p:ext uri="{BB962C8B-B14F-4D97-AF65-F5344CB8AC3E}">
-        <p14:creationId xmlns:p14="http://schemas.microsoft.com/office/powerpoint/2010/main" val="1468823351"/>
+        <p14:creationId xmlns:p14="http://schemas.microsoft.com/office/powerpoint/2010/main" val="1508979185"/>
       </p:ext>
     </p:extLst>
   </p:cSld>
@@ -2046,7 +2046,7 @@
           <p:cNvPr id="2" name="日期占位符 1">
             <a:extLst>
               <a:ext uri="{FF2B5EF4-FFF2-40B4-BE49-F238E27FC236}">
-                <a16:creationId xmlns:a16="http://schemas.microsoft.com/office/drawing/2014/main" id="{34B7B880-9169-2A9E-FDB5-ED7A5AE92DC7}"/>
+                <a16:creationId xmlns:a16="http://schemas.microsoft.com/office/drawing/2014/main" id="{36022631-603B-EC93-D0E8-D5E89EA6A3EE}"/>
               </a:ext>
             </a:extLst>
           </p:cNvPr>
@@ -2062,7 +2062,7 @@
           <a:bodyPr/>
           <a:lstStyle/>
           <a:p>
-            <a:fld id="{76862D56-A046-4686-B442-52507E690414}" type="datetimeFigureOut">
+            <a:fld id="{83B5BA3D-4F5D-4560-91C9-112421A6E51A}" type="datetimeFigureOut">
               <a:rPr lang="zh-CN" altLang="en-US" smtClean="0"/>
               <a:t>2024/3/10</a:t>
             </a:fld>
@@ -2075,7 +2075,7 @@
           <p:cNvPr id="3" name="页脚占位符 2">
             <a:extLst>
               <a:ext uri="{FF2B5EF4-FFF2-40B4-BE49-F238E27FC236}">
-                <a16:creationId xmlns:a16="http://schemas.microsoft.com/office/drawing/2014/main" id="{6AA5EB0F-506A-7B27-B884-795D3EDBABB4}"/>
+                <a16:creationId xmlns:a16="http://schemas.microsoft.com/office/drawing/2014/main" id="{127C7A58-8A8E-CCC4-FA16-FA2594696760}"/>
               </a:ext>
             </a:extLst>
           </p:cNvPr>
@@ -2100,7 +2100,7 @@
           <p:cNvPr id="4" name="灯片编号占位符 3">
             <a:extLst>
               <a:ext uri="{FF2B5EF4-FFF2-40B4-BE49-F238E27FC236}">
-                <a16:creationId xmlns:a16="http://schemas.microsoft.com/office/drawing/2014/main" id="{CED52075-C2D8-14C9-FAF2-04D9775E2F64}"/>
+                <a16:creationId xmlns:a16="http://schemas.microsoft.com/office/drawing/2014/main" id="{9F4E3315-6971-BC2A-7B87-584E71D471CE}"/>
               </a:ext>
             </a:extLst>
           </p:cNvPr>
@@ -2116,7 +2116,7 @@
           <a:bodyPr/>
           <a:lstStyle/>
           <a:p>
-            <a:fld id="{CB78A698-7DFA-4EE4-9A11-50FD5EB012BD}" type="slidenum">
+            <a:fld id="{09801EA0-F9A1-4BEE-A787-699DFE9FAD5B}" type="slidenum">
               <a:rPr lang="zh-CN" altLang="en-US" smtClean="0"/>
               <a:t>‹#›</a:t>
             </a:fld>
@@ -2127,7 +2127,7 @@
     </p:spTree>
     <p:extLst>
       <p:ext uri="{BB962C8B-B14F-4D97-AF65-F5344CB8AC3E}">
-        <p14:creationId xmlns:p14="http://schemas.microsoft.com/office/powerpoint/2010/main" val="1594014080"/>
+        <p14:creationId xmlns:p14="http://schemas.microsoft.com/office/powerpoint/2010/main" val="1066288085"/>
       </p:ext>
     </p:extLst>
   </p:cSld>
@@ -2159,7 +2159,7 @@
           <p:cNvPr id="2" name="标题 1">
             <a:extLst>
               <a:ext uri="{FF2B5EF4-FFF2-40B4-BE49-F238E27FC236}">
-                <a16:creationId xmlns:a16="http://schemas.microsoft.com/office/drawing/2014/main" id="{5DE0B5D2-5565-CE81-FBC6-8CA23A229A21}"/>
+                <a16:creationId xmlns:a16="http://schemas.microsoft.com/office/drawing/2014/main" id="{614750E6-0350-51BB-BB36-C07747AA540B}"/>
               </a:ext>
             </a:extLst>
           </p:cNvPr>
@@ -2196,7 +2196,7 @@
           <p:cNvPr id="3" name="内容占位符 2">
             <a:extLst>
               <a:ext uri="{FF2B5EF4-FFF2-40B4-BE49-F238E27FC236}">
-                <a16:creationId xmlns:a16="http://schemas.microsoft.com/office/drawing/2014/main" id="{7ACD0ED8-AB8B-6EAC-9A72-778F194F34A4}"/>
+                <a16:creationId xmlns:a16="http://schemas.microsoft.com/office/drawing/2014/main" id="{5BDE3CEA-5C19-0006-127D-876C7C64D214}"/>
               </a:ext>
             </a:extLst>
           </p:cNvPr>
@@ -2286,7 +2286,7 @@
           <p:cNvPr id="4" name="文本占位符 3">
             <a:extLst>
               <a:ext uri="{FF2B5EF4-FFF2-40B4-BE49-F238E27FC236}">
-                <a16:creationId xmlns:a16="http://schemas.microsoft.com/office/drawing/2014/main" id="{A3B29942-071E-E71D-3147-4E2145FFED98}"/>
+                <a16:creationId xmlns:a16="http://schemas.microsoft.com/office/drawing/2014/main" id="{23AFE276-56A4-9B8A-1958-20977D5B82A7}"/>
               </a:ext>
             </a:extLst>
           </p:cNvPr>
@@ -2357,7 +2357,7 @@
           <p:cNvPr id="5" name="日期占位符 4">
             <a:extLst>
               <a:ext uri="{FF2B5EF4-FFF2-40B4-BE49-F238E27FC236}">
-                <a16:creationId xmlns:a16="http://schemas.microsoft.com/office/drawing/2014/main" id="{B5F832B6-5CF5-953A-0F75-63FBF20F1DBB}"/>
+                <a16:creationId xmlns:a16="http://schemas.microsoft.com/office/drawing/2014/main" id="{6A61A330-DC03-A843-0B37-4B9BA3D968F2}"/>
               </a:ext>
             </a:extLst>
           </p:cNvPr>
@@ -2373,7 +2373,7 @@
           <a:bodyPr/>
           <a:lstStyle/>
           <a:p>
-            <a:fld id="{76862D56-A046-4686-B442-52507E690414}" type="datetimeFigureOut">
+            <a:fld id="{83B5BA3D-4F5D-4560-91C9-112421A6E51A}" type="datetimeFigureOut">
               <a:rPr lang="zh-CN" altLang="en-US" smtClean="0"/>
               <a:t>2024/3/10</a:t>
             </a:fld>
@@ -2386,7 +2386,7 @@
           <p:cNvPr id="6" name="页脚占位符 5">
             <a:extLst>
               <a:ext uri="{FF2B5EF4-FFF2-40B4-BE49-F238E27FC236}">
-                <a16:creationId xmlns:a16="http://schemas.microsoft.com/office/drawing/2014/main" id="{50DC39A4-951E-444F-A3F4-BF2E0B555BDA}"/>
+                <a16:creationId xmlns:a16="http://schemas.microsoft.com/office/drawing/2014/main" id="{59ADE98C-64F1-609C-27B5-EF777D36A671}"/>
               </a:ext>
             </a:extLst>
           </p:cNvPr>
@@ -2411,7 +2411,7 @@
           <p:cNvPr id="7" name="灯片编号占位符 6">
             <a:extLst>
               <a:ext uri="{FF2B5EF4-FFF2-40B4-BE49-F238E27FC236}">
-                <a16:creationId xmlns:a16="http://schemas.microsoft.com/office/drawing/2014/main" id="{9EE8D3C1-5C31-A3FF-E355-00ED7D946AA5}"/>
+                <a16:creationId xmlns:a16="http://schemas.microsoft.com/office/drawing/2014/main" id="{D387D6B6-85FB-A66C-525E-0D96FDD2BEC5}"/>
               </a:ext>
             </a:extLst>
           </p:cNvPr>
@@ -2427,7 +2427,7 @@
           <a:bodyPr/>
           <a:lstStyle/>
           <a:p>
-            <a:fld id="{CB78A698-7DFA-4EE4-9A11-50FD5EB012BD}" type="slidenum">
+            <a:fld id="{09801EA0-F9A1-4BEE-A787-699DFE9FAD5B}" type="slidenum">
               <a:rPr lang="zh-CN" altLang="en-US" smtClean="0"/>
               <a:t>‹#›</a:t>
             </a:fld>
@@ -2438,7 +2438,7 @@
     </p:spTree>
     <p:extLst>
       <p:ext uri="{BB962C8B-B14F-4D97-AF65-F5344CB8AC3E}">
-        <p14:creationId xmlns:p14="http://schemas.microsoft.com/office/powerpoint/2010/main" val="3624354675"/>
+        <p14:creationId xmlns:p14="http://schemas.microsoft.com/office/powerpoint/2010/main" val="3218926135"/>
       </p:ext>
     </p:extLst>
   </p:cSld>
@@ -2470,7 +2470,7 @@
           <p:cNvPr id="2" name="标题 1">
             <a:extLst>
               <a:ext uri="{FF2B5EF4-FFF2-40B4-BE49-F238E27FC236}">
-                <a16:creationId xmlns:a16="http://schemas.microsoft.com/office/drawing/2014/main" id="{B716BC59-E16E-DC54-EA32-BFCC13928BEE}"/>
+                <a16:creationId xmlns:a16="http://schemas.microsoft.com/office/drawing/2014/main" id="{F3579458-2E44-EBF0-5350-0BF4A3D40845}"/>
               </a:ext>
             </a:extLst>
           </p:cNvPr>
@@ -2507,7 +2507,7 @@
           <p:cNvPr id="3" name="图片占位符 2">
             <a:extLst>
               <a:ext uri="{FF2B5EF4-FFF2-40B4-BE49-F238E27FC236}">
-                <a16:creationId xmlns:a16="http://schemas.microsoft.com/office/drawing/2014/main" id="{6B4E24A6-7CF1-E4F0-1860-F1587BBE8934}"/>
+                <a16:creationId xmlns:a16="http://schemas.microsoft.com/office/drawing/2014/main" id="{EF5D0C42-A2DC-A8AE-253D-619FC3B72660}"/>
               </a:ext>
             </a:extLst>
           </p:cNvPr>
@@ -2574,7 +2574,7 @@
           <p:cNvPr id="4" name="文本占位符 3">
             <a:extLst>
               <a:ext uri="{FF2B5EF4-FFF2-40B4-BE49-F238E27FC236}">
-                <a16:creationId xmlns:a16="http://schemas.microsoft.com/office/drawing/2014/main" id="{9E23EE73-358A-1B63-74AC-CE626D975625}"/>
+                <a16:creationId xmlns:a16="http://schemas.microsoft.com/office/drawing/2014/main" id="{6C2B2679-E072-8E5A-FF4E-62AAEF98E140}"/>
               </a:ext>
             </a:extLst>
           </p:cNvPr>
@@ -2645,7 +2645,7 @@
           <p:cNvPr id="5" name="日期占位符 4">
             <a:extLst>
               <a:ext uri="{FF2B5EF4-FFF2-40B4-BE49-F238E27FC236}">
-                <a16:creationId xmlns:a16="http://schemas.microsoft.com/office/drawing/2014/main" id="{C95A9738-8164-BE80-F191-ACF1477270C9}"/>
+                <a16:creationId xmlns:a16="http://schemas.microsoft.com/office/drawing/2014/main" id="{AAF3DEAC-06C9-6E4D-30B4-9DF3C329BC51}"/>
               </a:ext>
             </a:extLst>
           </p:cNvPr>
@@ -2661,7 +2661,7 @@
           <a:bodyPr/>
           <a:lstStyle/>
           <a:p>
-            <a:fld id="{76862D56-A046-4686-B442-52507E690414}" type="datetimeFigureOut">
+            <a:fld id="{83B5BA3D-4F5D-4560-91C9-112421A6E51A}" type="datetimeFigureOut">
               <a:rPr lang="zh-CN" altLang="en-US" smtClean="0"/>
               <a:t>2024/3/10</a:t>
             </a:fld>
@@ -2674,7 +2674,7 @@
           <p:cNvPr id="6" name="页脚占位符 5">
             <a:extLst>
               <a:ext uri="{FF2B5EF4-FFF2-40B4-BE49-F238E27FC236}">
-                <a16:creationId xmlns:a16="http://schemas.microsoft.com/office/drawing/2014/main" id="{B50D6DC7-3167-6965-54FB-4C9271C9A4A4}"/>
+                <a16:creationId xmlns:a16="http://schemas.microsoft.com/office/drawing/2014/main" id="{AE8F83AA-3993-FADC-C8EA-97C58A3BCFEE}"/>
               </a:ext>
             </a:extLst>
           </p:cNvPr>
@@ -2699,7 +2699,7 @@
           <p:cNvPr id="7" name="灯片编号占位符 6">
             <a:extLst>
               <a:ext uri="{FF2B5EF4-FFF2-40B4-BE49-F238E27FC236}">
-                <a16:creationId xmlns:a16="http://schemas.microsoft.com/office/drawing/2014/main" id="{25C560B2-877B-E4B6-1BA1-C74ADCE5E083}"/>
+                <a16:creationId xmlns:a16="http://schemas.microsoft.com/office/drawing/2014/main" id="{12FF27B5-6EF4-EF87-2510-E43BF6A96263}"/>
               </a:ext>
             </a:extLst>
           </p:cNvPr>
@@ -2715,7 +2715,7 @@
           <a:bodyPr/>
           <a:lstStyle/>
           <a:p>
-            <a:fld id="{CB78A698-7DFA-4EE4-9A11-50FD5EB012BD}" type="slidenum">
+            <a:fld id="{09801EA0-F9A1-4BEE-A787-699DFE9FAD5B}" type="slidenum">
               <a:rPr lang="zh-CN" altLang="en-US" smtClean="0"/>
               <a:t>‹#›</a:t>
             </a:fld>
@@ -2726,7 +2726,7 @@
     </p:spTree>
     <p:extLst>
       <p:ext uri="{BB962C8B-B14F-4D97-AF65-F5344CB8AC3E}">
-        <p14:creationId xmlns:p14="http://schemas.microsoft.com/office/powerpoint/2010/main" val="789998171"/>
+        <p14:creationId xmlns:p14="http://schemas.microsoft.com/office/powerpoint/2010/main" val="1293187425"/>
       </p:ext>
     </p:extLst>
   </p:cSld>
@@ -2763,7 +2763,7 @@
           <p:cNvPr id="2" name="标题占位符 1">
             <a:extLst>
               <a:ext uri="{FF2B5EF4-FFF2-40B4-BE49-F238E27FC236}">
-                <a16:creationId xmlns:a16="http://schemas.microsoft.com/office/drawing/2014/main" id="{93BDF063-CC4B-8C77-A489-4D492206B09F}"/>
+                <a16:creationId xmlns:a16="http://schemas.microsoft.com/office/drawing/2014/main" id="{724CA2B1-80B3-7B05-F737-BC3CA9427867}"/>
               </a:ext>
             </a:extLst>
           </p:cNvPr>
@@ -2801,7 +2801,7 @@
           <p:cNvPr id="3" name="文本占位符 2">
             <a:extLst>
               <a:ext uri="{FF2B5EF4-FFF2-40B4-BE49-F238E27FC236}">
-                <a16:creationId xmlns:a16="http://schemas.microsoft.com/office/drawing/2014/main" id="{524AD59F-C493-C6A6-9958-F6A9DA546717}"/>
+                <a16:creationId xmlns:a16="http://schemas.microsoft.com/office/drawing/2014/main" id="{ABF7186A-D0FF-E5D2-51C0-FE5D35500F60}"/>
               </a:ext>
             </a:extLst>
           </p:cNvPr>
@@ -2868,7 +2868,7 @@
           <p:cNvPr id="4" name="日期占位符 3">
             <a:extLst>
               <a:ext uri="{FF2B5EF4-FFF2-40B4-BE49-F238E27FC236}">
-                <a16:creationId xmlns:a16="http://schemas.microsoft.com/office/drawing/2014/main" id="{5925B6A9-A5C4-019D-96C5-D206FED799CD}"/>
+                <a16:creationId xmlns:a16="http://schemas.microsoft.com/office/drawing/2014/main" id="{84152AF6-9F26-723D-432C-50A84608BB70}"/>
               </a:ext>
             </a:extLst>
           </p:cNvPr>
@@ -2902,7 +2902,7 @@
             </a:lvl1pPr>
           </a:lstStyle>
           <a:p>
-            <a:fld id="{76862D56-A046-4686-B442-52507E690414}" type="datetimeFigureOut">
+            <a:fld id="{83B5BA3D-4F5D-4560-91C9-112421A6E51A}" type="datetimeFigureOut">
               <a:rPr lang="zh-CN" altLang="en-US" smtClean="0"/>
               <a:t>2024/3/10</a:t>
             </a:fld>
@@ -2915,7 +2915,7 @@
           <p:cNvPr id="5" name="页脚占位符 4">
             <a:extLst>
               <a:ext uri="{FF2B5EF4-FFF2-40B4-BE49-F238E27FC236}">
-                <a16:creationId xmlns:a16="http://schemas.microsoft.com/office/drawing/2014/main" id="{A78E6C0A-0C1F-A482-3530-A3F89E35C7BB}"/>
+                <a16:creationId xmlns:a16="http://schemas.microsoft.com/office/drawing/2014/main" id="{99E057B5-D7E5-273D-5E78-2503B8C3012F}"/>
               </a:ext>
             </a:extLst>
           </p:cNvPr>
@@ -2958,7 +2958,7 @@
           <p:cNvPr id="6" name="灯片编号占位符 5">
             <a:extLst>
               <a:ext uri="{FF2B5EF4-FFF2-40B4-BE49-F238E27FC236}">
-                <a16:creationId xmlns:a16="http://schemas.microsoft.com/office/drawing/2014/main" id="{9A550199-CA72-F57F-93CD-B87C8BE5BBFD}"/>
+                <a16:creationId xmlns:a16="http://schemas.microsoft.com/office/drawing/2014/main" id="{7F236E20-998F-9ACB-60BF-8D93F4370C34}"/>
               </a:ext>
             </a:extLst>
           </p:cNvPr>
@@ -2992,7 +2992,7 @@
             </a:lvl1pPr>
           </a:lstStyle>
           <a:p>
-            <a:fld id="{CB78A698-7DFA-4EE4-9A11-50FD5EB012BD}" type="slidenum">
+            <a:fld id="{09801EA0-F9A1-4BEE-A787-699DFE9FAD5B}" type="slidenum">
               <a:rPr lang="zh-CN" altLang="en-US" smtClean="0"/>
               <a:t>‹#›</a:t>
             </a:fld>
@@ -3003,7 +3003,7 @@
     </p:spTree>
     <p:extLst>
       <p:ext uri="{BB962C8B-B14F-4D97-AF65-F5344CB8AC3E}">
-        <p14:creationId xmlns:p14="http://schemas.microsoft.com/office/powerpoint/2010/main" val="1877253862"/>
+        <p14:creationId xmlns:p14="http://schemas.microsoft.com/office/powerpoint/2010/main" val="3366411625"/>
       </p:ext>
     </p:extLst>
   </p:cSld>
@@ -3323,7 +3323,7 @@
       </p:grpSpPr>
       <p:pic>
         <p:nvPicPr>
-          <p:cNvPr id="1008642" name="Picture 2" descr="984"/>
+          <p:cNvPr id="1009666" name="Picture 2" descr="985"/>
           <p:cNvPicPr>
             <a:picLocks noChangeAspect="1" noChangeArrowheads="1"/>
           </p:cNvPicPr>
